--- a/Final-capstone-story-template.pptx
+++ b/Final-capstone-story-template.pptx
@@ -1407,7 +1407,7 @@
           <a:p>
             <a:fld id="{9E497948-54D2-43F8-9A63-A99FE3051738}" type="datetimeFigureOut">
               <a:rPr lang="en-US" smtClean="0"/>
-              <a:t>3/26/2024</a:t>
+              <a:t>3/27/2024</a:t>
             </a:fld>
             <a:endParaRPr lang="en-US"/>
           </a:p>
@@ -6572,8 +6572,8 @@
         </p:nvSpPr>
         <p:spPr>
           <a:xfrm>
-            <a:off x="4285075" y="3142210"/>
-            <a:ext cx="7068725" cy="2569239"/>
+            <a:off x="4131836" y="1556828"/>
+            <a:ext cx="7068725" cy="2175723"/>
           </a:xfrm>
         </p:spPr>
         <p:txBody>
@@ -6586,8 +6586,29 @@
               <a:buNone/>
             </a:pPr>
             <a:r>
+              <a:rPr lang="en-US" sz="2200" dirty="0">
+                <a:hlinkClick r:id="rId2"/>
+              </a:rPr>
+              <a:t>https://github.com/manjit8387/Dashboards/blob/main/Final-capstone-story-template.pptx</a:t>
+            </a:r>
+            <a:endParaRPr lang="en-US" sz="2200" dirty="0"/>
+          </a:p>
+          <a:p>
+            <a:pPr marL="0" indent="0">
+              <a:buNone/>
+            </a:pPr>
+            <a:r>
               <a:rPr lang="en-US" sz="2200" dirty="0"/>
-              <a:t>https://github.com/manjit8387/Dashboards/upload/main</a:t>
+              <a:t>Or</a:t>
+            </a:r>
+          </a:p>
+          <a:p>
+            <a:pPr marL="0" indent="0">
+              <a:buNone/>
+            </a:pPr>
+            <a:r>
+              <a:rPr lang="en-US" sz="2200" dirty="0"/>
+              <a:t>https://github.com/manjit8387/Final-Project/blob/main/Final-capstone-story-template.pptx</a:t>
             </a:r>
           </a:p>
         </p:txBody>
@@ -6607,7 +6628,7 @@
           <p:nvPr/>
         </p:nvPicPr>
         <p:blipFill>
-          <a:blip r:embed="rId2"/>
+          <a:blip r:embed="rId3"/>
           <a:stretch>
             <a:fillRect/>
           </a:stretch>
@@ -6622,6 +6643,247 @@
           </a:prstGeom>
         </p:spPr>
       </p:pic>
+      <p:sp>
+        <p:nvSpPr>
+          <p:cNvPr id="4" name="Content Placeholder 2">
+            <a:extLst>
+              <a:ext uri="{FF2B5EF4-FFF2-40B4-BE49-F238E27FC236}">
+                <a16:creationId xmlns:a16="http://schemas.microsoft.com/office/drawing/2014/main" id="{BFB60793-8DD2-0078-BFD8-9861D8376D94}"/>
+              </a:ext>
+            </a:extLst>
+          </p:cNvPr>
+          <p:cNvSpPr txBox="1">
+            <a:spLocks/>
+          </p:cNvSpPr>
+          <p:nvPr/>
+        </p:nvSpPr>
+        <p:spPr>
+          <a:xfrm>
+            <a:off x="4452465" y="4287186"/>
+            <a:ext cx="7068725" cy="1768839"/>
+          </a:xfrm>
+          <a:prstGeom prst="rect">
+            <a:avLst/>
+          </a:prstGeom>
+        </p:spPr>
+        <p:txBody>
+          <a:bodyPr vert="horz" lIns="91440" tIns="45720" rIns="91440" bIns="45720" rtlCol="0">
+            <a:normAutofit lnSpcReduction="10000"/>
+          </a:bodyPr>
+          <a:lstStyle>
+            <a:lvl1pPr marL="228600" indent="-228600" algn="l" defTabSz="914400" rtl="0" eaLnBrk="1" latinLnBrk="0" hangingPunct="1">
+              <a:lnSpc>
+                <a:spcPct val="90000"/>
+              </a:lnSpc>
+              <a:spcBef>
+                <a:spcPts val="1000"/>
+              </a:spcBef>
+              <a:buFont typeface="Arial"/>
+              <a:buChar char="•"/>
+              <a:defRPr sz="2800" kern="1200">
+                <a:solidFill>
+                  <a:srgbClr val="0070C0"/>
+                </a:solidFill>
+                <a:latin typeface="IBM Plex Mono Text" panose="020B0509050203000203" pitchFamily="49" charset="0"/>
+                <a:ea typeface="+mn-ea"/>
+                <a:cs typeface="+mn-cs"/>
+              </a:defRPr>
+            </a:lvl1pPr>
+            <a:lvl2pPr marL="685800" indent="-228600" algn="l" defTabSz="914400" rtl="0" eaLnBrk="1" latinLnBrk="0" hangingPunct="1">
+              <a:lnSpc>
+                <a:spcPct val="90000"/>
+              </a:lnSpc>
+              <a:spcBef>
+                <a:spcPts val="500"/>
+              </a:spcBef>
+              <a:buFont typeface="Arial"/>
+              <a:buChar char="•"/>
+              <a:defRPr sz="2400" kern="1200">
+                <a:solidFill>
+                  <a:srgbClr val="0070C0"/>
+                </a:solidFill>
+                <a:latin typeface="IBM Plex Mono Text" panose="020B0509050203000203" pitchFamily="49" charset="0"/>
+                <a:ea typeface="+mn-ea"/>
+                <a:cs typeface="+mn-cs"/>
+              </a:defRPr>
+            </a:lvl2pPr>
+            <a:lvl3pPr marL="1143000" indent="-228600" algn="l" defTabSz="914400" rtl="0" eaLnBrk="1" latinLnBrk="0" hangingPunct="1">
+              <a:lnSpc>
+                <a:spcPct val="90000"/>
+              </a:lnSpc>
+              <a:spcBef>
+                <a:spcPts val="500"/>
+              </a:spcBef>
+              <a:buFont typeface="Arial"/>
+              <a:buChar char="•"/>
+              <a:defRPr sz="2000" kern="1200">
+                <a:solidFill>
+                  <a:srgbClr val="0070C0"/>
+                </a:solidFill>
+                <a:latin typeface="IBM Plex Mono Text" panose="020B0509050203000203" pitchFamily="49" charset="0"/>
+                <a:ea typeface="+mn-ea"/>
+                <a:cs typeface="+mn-cs"/>
+              </a:defRPr>
+            </a:lvl3pPr>
+            <a:lvl4pPr marL="1600200" indent="-228600" algn="l" defTabSz="914400" rtl="0" eaLnBrk="1" latinLnBrk="0" hangingPunct="1">
+              <a:lnSpc>
+                <a:spcPct val="90000"/>
+              </a:lnSpc>
+              <a:spcBef>
+                <a:spcPts val="500"/>
+              </a:spcBef>
+              <a:buFont typeface="Arial"/>
+              <a:buChar char="•"/>
+              <a:defRPr sz="1800" kern="1200">
+                <a:solidFill>
+                  <a:srgbClr val="0070C0"/>
+                </a:solidFill>
+                <a:latin typeface="IBM Plex Mono Text" panose="020B0509050203000203" pitchFamily="49" charset="0"/>
+                <a:ea typeface="+mn-ea"/>
+                <a:cs typeface="+mn-cs"/>
+              </a:defRPr>
+            </a:lvl4pPr>
+            <a:lvl5pPr marL="2057400" indent="-228600" algn="l" defTabSz="914400" rtl="0" eaLnBrk="1" latinLnBrk="0" hangingPunct="1">
+              <a:lnSpc>
+                <a:spcPct val="90000"/>
+              </a:lnSpc>
+              <a:spcBef>
+                <a:spcPts val="500"/>
+              </a:spcBef>
+              <a:buFont typeface="Arial"/>
+              <a:buChar char="•"/>
+              <a:defRPr sz="1800" kern="1200">
+                <a:solidFill>
+                  <a:srgbClr val="0070C0"/>
+                </a:solidFill>
+                <a:latin typeface="IBM Plex Mono Text" panose="020B0509050203000203" pitchFamily="49" charset="0"/>
+                <a:ea typeface="+mn-ea"/>
+                <a:cs typeface="+mn-cs"/>
+              </a:defRPr>
+            </a:lvl5pPr>
+            <a:lvl6pPr marL="2514600" indent="-228600" algn="l" defTabSz="914400" rtl="0" eaLnBrk="1" latinLnBrk="0" hangingPunct="1">
+              <a:lnSpc>
+                <a:spcPct val="90000"/>
+              </a:lnSpc>
+              <a:spcBef>
+                <a:spcPts val="500"/>
+              </a:spcBef>
+              <a:buFont typeface="Arial"/>
+              <a:buChar char="•"/>
+              <a:defRPr sz="1800" kern="1200">
+                <a:solidFill>
+                  <a:schemeClr val="tx1"/>
+                </a:solidFill>
+                <a:latin typeface="+mn-lt"/>
+                <a:ea typeface="+mn-ea"/>
+                <a:cs typeface="+mn-cs"/>
+              </a:defRPr>
+            </a:lvl6pPr>
+            <a:lvl7pPr marL="2971800" indent="-228600" algn="l" defTabSz="914400" rtl="0" eaLnBrk="1" latinLnBrk="0" hangingPunct="1">
+              <a:lnSpc>
+                <a:spcPct val="90000"/>
+              </a:lnSpc>
+              <a:spcBef>
+                <a:spcPts val="500"/>
+              </a:spcBef>
+              <a:buFont typeface="Arial"/>
+              <a:buChar char="•"/>
+              <a:defRPr sz="1800" kern="1200">
+                <a:solidFill>
+                  <a:schemeClr val="tx1"/>
+                </a:solidFill>
+                <a:latin typeface="+mn-lt"/>
+                <a:ea typeface="+mn-ea"/>
+                <a:cs typeface="+mn-cs"/>
+              </a:defRPr>
+            </a:lvl7pPr>
+            <a:lvl8pPr marL="3429000" indent="-228600" algn="l" defTabSz="914400" rtl="0" eaLnBrk="1" latinLnBrk="0" hangingPunct="1">
+              <a:lnSpc>
+                <a:spcPct val="90000"/>
+              </a:lnSpc>
+              <a:spcBef>
+                <a:spcPts val="500"/>
+              </a:spcBef>
+              <a:buFont typeface="Arial"/>
+              <a:buChar char="•"/>
+              <a:defRPr sz="1800" kern="1200">
+                <a:solidFill>
+                  <a:schemeClr val="tx1"/>
+                </a:solidFill>
+                <a:latin typeface="+mn-lt"/>
+                <a:ea typeface="+mn-ea"/>
+                <a:cs typeface="+mn-cs"/>
+              </a:defRPr>
+            </a:lvl8pPr>
+            <a:lvl9pPr marL="3886200" indent="-228600" algn="l" defTabSz="914400" rtl="0" eaLnBrk="1" latinLnBrk="0" hangingPunct="1">
+              <a:lnSpc>
+                <a:spcPct val="90000"/>
+              </a:lnSpc>
+              <a:spcBef>
+                <a:spcPts val="500"/>
+              </a:spcBef>
+              <a:buFont typeface="Arial"/>
+              <a:buChar char="•"/>
+              <a:defRPr sz="1800" kern="1200">
+                <a:solidFill>
+                  <a:schemeClr val="tx1"/>
+                </a:solidFill>
+                <a:latin typeface="+mn-lt"/>
+                <a:ea typeface="+mn-ea"/>
+                <a:cs typeface="+mn-cs"/>
+              </a:defRPr>
+            </a:lvl9pPr>
+          </a:lstStyle>
+          <a:p>
+            <a:pPr marL="0" indent="0">
+              <a:buFont typeface="Arial"/>
+              <a:buNone/>
+            </a:pPr>
+            <a:r>
+              <a:rPr lang="en-US" sz="2200" dirty="0">
+                <a:hlinkClick r:id="rId4"/>
+              </a:rPr>
+              <a:t>github.com &gt; manjit8387 &gt; Dashboards</a:t>
+            </a:r>
+            <a:r>
+              <a:rPr lang="en-US" sz="2200" dirty="0"/>
+              <a:t> &gt; Final-capstone-story-template.pptx</a:t>
+            </a:r>
+          </a:p>
+          <a:p>
+            <a:pPr marL="0" indent="0">
+              <a:buFont typeface="Arial"/>
+              <a:buNone/>
+            </a:pPr>
+            <a:r>
+              <a:rPr lang="en-US" sz="2200" dirty="0"/>
+              <a:t>Or</a:t>
+            </a:r>
+          </a:p>
+          <a:p>
+            <a:pPr marL="0" indent="0">
+              <a:buNone/>
+            </a:pPr>
+            <a:r>
+              <a:rPr lang="en-US" sz="2200" dirty="0">
+                <a:hlinkClick r:id="rId4"/>
+              </a:rPr>
+              <a:t>github.com &gt; manjit8387 &gt; </a:t>
+            </a:r>
+            <a:r>
+              <a:rPr lang="en-US" sz="2200" dirty="0"/>
+              <a:t>Final-Project &gt; Final-capstone-story-template.pptx</a:t>
+            </a:r>
+          </a:p>
+          <a:p>
+            <a:pPr marL="0" indent="0">
+              <a:buFont typeface="Arial"/>
+              <a:buNone/>
+            </a:pPr>
+            <a:endParaRPr lang="en-US" sz="2200" dirty="0"/>
+          </a:p>
+        </p:txBody>
+      </p:sp>
     </p:spTree>
     <p:extLst>
       <p:ext uri="{BB962C8B-B14F-4D97-AF65-F5344CB8AC3E}">
@@ -10119,12 +10381,6 @@
 </file>
 
 <file path=customXml/item1.xml><?xml version="1.0" encoding="utf-8"?>
-<p:properties xmlns:p="http://schemas.microsoft.com/office/2006/metadata/properties" xmlns:xsi="http://www.w3.org/2001/XMLSchema-instance" xmlns:pc="http://schemas.microsoft.com/office/infopath/2007/PartnerControls">
-  <documentManagement/>
-</p:properties>
-</file>
-
-<file path=customXml/item2.xml><?xml version="1.0" encoding="utf-8"?>
 <ct:contentTypeSchema xmlns:ct="http://schemas.microsoft.com/office/2006/metadata/contentType" xmlns:ma="http://schemas.microsoft.com/office/2006/metadata/properties/metaAttributes" ct:_="" ma:_="" ma:contentTypeName="Document" ma:contentTypeID="0x010100EECD86F56755A646AC8AFCBCBD967F21" ma:contentTypeVersion="11" ma:contentTypeDescription="Create a new document." ma:contentTypeScope="" ma:versionID="4bc1015ece1c23b1ef2f55a62f11494f">
   <xsd:schema xmlns:xsd="http://www.w3.org/2001/XMLSchema" xmlns:xs="http://www.w3.org/2001/XMLSchema" xmlns:p="http://schemas.microsoft.com/office/2006/metadata/properties" xmlns:ns2="155be751-a274-42e8-93fb-f39d3b9bccc8" xmlns:ns3="f80a141d-92ca-4d3d-9308-f7e7b1d44ce8" targetNamespace="http://schemas.microsoft.com/office/2006/metadata/properties" ma:root="true" ma:fieldsID="efbf6837a43ed91190e40f849f23a130" ns2:_="" ns3:_="">
     <xsd:import namespace="155be751-a274-42e8-93fb-f39d3b9bccc8"/>
@@ -10335,6 +10591,12 @@
 </ct:contentTypeSchema>
 </file>
 
+<file path=customXml/item2.xml><?xml version="1.0" encoding="utf-8"?>
+<p:properties xmlns:p="http://schemas.microsoft.com/office/2006/metadata/properties" xmlns:xsi="http://www.w3.org/2001/XMLSchema-instance" xmlns:pc="http://schemas.microsoft.com/office/infopath/2007/PartnerControls">
+  <documentManagement/>
+</p:properties>
+</file>
+
 <file path=customXml/item3.xml><?xml version="1.0" encoding="utf-8"?>
 <?mso-contentType ?>
 <FormTemplates xmlns="http://schemas.microsoft.com/sharepoint/v3/contenttype/forms">
@@ -10345,15 +10607,6 @@
 </file>
 
 <file path=customXml/itemProps1.xml><?xml version="1.0" encoding="utf-8"?>
-<ds:datastoreItem xmlns:ds="http://schemas.openxmlformats.org/officeDocument/2006/customXml" ds:itemID="{54DA07C5-A406-4A0D-B3E6-3856C94AC7F3}">
-  <ds:schemaRefs>
-    <ds:schemaRef ds:uri="http://schemas.microsoft.com/office/2006/metadata/properties"/>
-    <ds:schemaRef ds:uri="http://schemas.microsoft.com/office/infopath/2007/PartnerControls"/>
-  </ds:schemaRefs>
-</ds:datastoreItem>
-</file>
-
-<file path=customXml/itemProps2.xml><?xml version="1.0" encoding="utf-8"?>
 <ds:datastoreItem xmlns:ds="http://schemas.openxmlformats.org/officeDocument/2006/customXml" ds:itemID="{887AE8FE-83F0-42D0-BB5E-14AD3FB1DE17}">
   <ds:schemaRefs>
     <ds:schemaRef ds:uri="http://schemas.microsoft.com/office/2006/metadata/contentType"/>
@@ -10372,6 +10625,15 @@
 </ds:datastoreItem>
 </file>
 
+<file path=customXml/itemProps2.xml><?xml version="1.0" encoding="utf-8"?>
+<ds:datastoreItem xmlns:ds="http://schemas.openxmlformats.org/officeDocument/2006/customXml" ds:itemID="{54DA07C5-A406-4A0D-B3E6-3856C94AC7F3}">
+  <ds:schemaRefs>
+    <ds:schemaRef ds:uri="http://schemas.microsoft.com/office/2006/metadata/properties"/>
+    <ds:schemaRef ds:uri="http://schemas.microsoft.com/office/infopath/2007/PartnerControls"/>
+  </ds:schemaRefs>
+</ds:datastoreItem>
+</file>
+
 <file path=customXml/itemProps3.xml><?xml version="1.0" encoding="utf-8"?>
 <ds:datastoreItem xmlns:ds="http://schemas.openxmlformats.org/officeDocument/2006/customXml" ds:itemID="{7EFDA260-DDA0-422C-B7AE-778F653FBB36}">
   <ds:schemaRefs>
